--- a/JAVA PPT/Day18 abstraction.pptx
+++ b/JAVA PPT/Day18 abstraction.pptx
@@ -248,6 +248,22 @@
       </a:defRPr>
     </a:lvl9pPr>
   </p:defaultTextStyle>
+  <p:extLst>
+    <p:ext uri="{EFAFB233-063F-42B5-8137-9DF3F51BA10A}">
+      <p15:sldGuideLst xmlns:p15="http://schemas.microsoft.com/office/powerpoint/2012/main">
+        <p15:guide id="1" orient="horz" pos="1620" userDrawn="1">
+          <p15:clr>
+            <a:srgbClr val="A4A3A4"/>
+          </p15:clr>
+        </p15:guide>
+        <p15:guide id="2" pos="2876" userDrawn="1">
+          <p15:clr>
+            <a:srgbClr val="A4A3A4"/>
+          </p15:clr>
+        </p15:guide>
+      </p15:sldGuideLst>
+    </p:ext>
+  </p:extLst>
 </p:presentation>
 </file>
 
@@ -13440,23 +13456,27 @@
       </p:sp>
       <p:pic>
         <p:nvPicPr>
-          <p:cNvPr id="4" name="Picture 3" descr="abs"/>
+          <p:cNvPr id="8" name="Picture 7"/>
           <p:cNvPicPr>
             <a:picLocks noChangeAspect="1"/>
           </p:cNvPicPr>
-          <p:nvPr/>
+          <p:nvPr>
+            <p:custDataLst>
+              <p:tags r:id="rId1"/>
+            </p:custDataLst>
+          </p:nvPr>
         </p:nvPicPr>
         <p:blipFill>
-          <a:blip r:embed="rId1"/>
-          <a:srcRect l="5986" t="10719" r="6250" b="10948"/>
+          <a:blip r:embed="rId2"/>
+          <a:srcRect l="6258" t="8933" r="5738" b="7441"/>
           <a:stretch>
             <a:fillRect/>
           </a:stretch>
         </p:blipFill>
         <p:spPr>
           <a:xfrm>
-            <a:off x="1163955" y="1048385"/>
-            <a:ext cx="3641725" cy="3279775"/>
+            <a:off x="1107440" y="1202055"/>
+            <a:ext cx="3693160" cy="2633345"/>
           </a:xfrm>
           <a:prstGeom prst="rect">
             <a:avLst/>
@@ -13465,23 +13485,27 @@
       </p:pic>
       <p:pic>
         <p:nvPicPr>
-          <p:cNvPr id="5" name="Picture 4" descr="abs2"/>
+          <p:cNvPr id="11" name="Picture 10"/>
           <p:cNvPicPr>
             <a:picLocks noChangeAspect="1"/>
           </p:cNvPicPr>
-          <p:nvPr/>
+          <p:nvPr>
+            <p:custDataLst>
+              <p:tags r:id="rId3"/>
+            </p:custDataLst>
+          </p:nvPr>
         </p:nvPicPr>
         <p:blipFill>
-          <a:blip r:embed="rId2"/>
-          <a:srcRect l="6013" t="9691" r="6213" b="10062"/>
+          <a:blip r:embed="rId4"/>
+          <a:srcRect l="3892" t="8875" r="4432" b="8830"/>
           <a:stretch>
             <a:fillRect/>
           </a:stretch>
         </p:blipFill>
         <p:spPr>
           <a:xfrm>
-            <a:off x="5009515" y="1048385"/>
-            <a:ext cx="3720465" cy="3280410"/>
+            <a:off x="5084445" y="637540"/>
+            <a:ext cx="3836670" cy="3823970"/>
           </a:xfrm>
           <a:prstGeom prst="rect">
             <a:avLst/>
@@ -13562,94 +13586,6 @@
                             </p:childTnLst>
                           </p:cTn>
                         </p:par>
-                        <p:par>
-                          <p:cTn id="8" fill="hold">
-                            <p:stCondLst>
-                              <p:cond delay="899"/>
-                            </p:stCondLst>
-                            <p:childTnLst>
-                              <p:par>
-                                <p:cTn id="9" presetID="10" presetClass="entr" presetSubtype="0" fill="hold" nodeType="afterEffect">
-                                  <p:stCondLst>
-                                    <p:cond delay="0"/>
-                                  </p:stCondLst>
-                                  <p:childTnLst>
-                                    <p:set>
-                                      <p:cBhvr>
-                                        <p:cTn id="10" dur="1" fill="hold">
-                                          <p:stCondLst>
-                                            <p:cond delay="0"/>
-                                          </p:stCondLst>
-                                        </p:cTn>
-                                        <p:tgtEl>
-                                          <p:spTgt spid="4"/>
-                                        </p:tgtEl>
-                                        <p:attrNameLst>
-                                          <p:attrName>style.visibility</p:attrName>
-                                        </p:attrNameLst>
-                                      </p:cBhvr>
-                                      <p:to>
-                                        <p:strVal val="visible"/>
-                                      </p:to>
-                                    </p:set>
-                                    <p:animEffect transition="in" filter="fade">
-                                      <p:cBhvr>
-                                        <p:cTn id="11" dur="500"/>
-                                        <p:tgtEl>
-                                          <p:spTgt spid="4"/>
-                                        </p:tgtEl>
-                                      </p:cBhvr>
-                                    </p:animEffect>
-                                  </p:childTnLst>
-                                </p:cTn>
-                              </p:par>
-                            </p:childTnLst>
-                          </p:cTn>
-                        </p:par>
-                        <p:par>
-                          <p:cTn id="12" fill="hold">
-                            <p:stCondLst>
-                              <p:cond delay="1399"/>
-                            </p:stCondLst>
-                            <p:childTnLst>
-                              <p:par>
-                                <p:cTn id="13" presetID="10" presetClass="entr" presetSubtype="0" fill="hold" nodeType="afterEffect">
-                                  <p:stCondLst>
-                                    <p:cond delay="0"/>
-                                  </p:stCondLst>
-                                  <p:childTnLst>
-                                    <p:set>
-                                      <p:cBhvr>
-                                        <p:cTn id="14" dur="1" fill="hold">
-                                          <p:stCondLst>
-                                            <p:cond delay="0"/>
-                                          </p:stCondLst>
-                                        </p:cTn>
-                                        <p:tgtEl>
-                                          <p:spTgt spid="5"/>
-                                        </p:tgtEl>
-                                        <p:attrNameLst>
-                                          <p:attrName>style.visibility</p:attrName>
-                                        </p:attrNameLst>
-                                      </p:cBhvr>
-                                      <p:to>
-                                        <p:strVal val="visible"/>
-                                      </p:to>
-                                    </p:set>
-                                    <p:animEffect transition="in" filter="fade">
-                                      <p:cBhvr>
-                                        <p:cTn id="15" dur="500"/>
-                                        <p:tgtEl>
-                                          <p:spTgt spid="5"/>
-                                        </p:tgtEl>
-                                      </p:cBhvr>
-                                    </p:animEffect>
-                                  </p:childTnLst>
-                                </p:cTn>
-                              </p:par>
-                            </p:childTnLst>
-                          </p:cTn>
-                        </p:par>
                       </p:childTnLst>
                     </p:cTn>
                   </p:par>
@@ -13803,31 +13739,6 @@
           </a:p>
         </p:txBody>
       </p:sp>
-      <p:pic>
-        <p:nvPicPr>
-          <p:cNvPr id="2" name="Picture 1" descr="abs op"/>
-          <p:cNvPicPr>
-            <a:picLocks noChangeAspect="1"/>
-          </p:cNvPicPr>
-          <p:nvPr/>
-        </p:nvPicPr>
-        <p:blipFill>
-          <a:blip r:embed="rId1"/>
-          <a:srcRect l="10657" t="17619" r="10147" b="17258"/>
-          <a:stretch>
-            <a:fillRect/>
-          </a:stretch>
-        </p:blipFill>
-        <p:spPr>
-          <a:xfrm>
-            <a:off x="3401060" y="1922145"/>
-            <a:ext cx="3859530" cy="1894840"/>
-          </a:xfrm>
-          <a:prstGeom prst="rect">
-            <a:avLst/>
-          </a:prstGeom>
-        </p:spPr>
-      </p:pic>
       <p:sp>
         <p:nvSpPr>
           <p:cNvPr id="3" name="Text Box 2"/>
@@ -13869,6 +13780,35 @@
           </a:p>
         </p:txBody>
       </p:sp>
+      <p:pic>
+        <p:nvPicPr>
+          <p:cNvPr id="4" name="Picture 3"/>
+          <p:cNvPicPr>
+            <a:picLocks noChangeAspect="1"/>
+          </p:cNvPicPr>
+          <p:nvPr>
+            <p:custDataLst>
+              <p:tags r:id="rId1"/>
+            </p:custDataLst>
+          </p:nvPr>
+        </p:nvPicPr>
+        <p:blipFill>
+          <a:blip r:embed="rId2"/>
+          <a:srcRect l="10978" t="15688" r="10852" b="15429"/>
+          <a:stretch>
+            <a:fillRect/>
+          </a:stretch>
+        </p:blipFill>
+        <p:spPr>
+          <a:xfrm>
+            <a:off x="2559685" y="1729105"/>
+            <a:ext cx="3518535" cy="1999615"/>
+          </a:xfrm>
+          <a:prstGeom prst="rect">
+            <a:avLst/>
+          </a:prstGeom>
+        </p:spPr>
+      </p:pic>
     </p:spTree>
   </p:cSld>
   <p:clrMapOvr>
@@ -13943,50 +13883,6 @@
                             </p:childTnLst>
                           </p:cTn>
                         </p:par>
-                        <p:par>
-                          <p:cTn id="8" fill="hold">
-                            <p:stCondLst>
-                              <p:cond delay="850"/>
-                            </p:stCondLst>
-                            <p:childTnLst>
-                              <p:par>
-                                <p:cTn id="9" presetID="10" presetClass="entr" presetSubtype="0" fill="hold" nodeType="afterEffect">
-                                  <p:stCondLst>
-                                    <p:cond delay="0"/>
-                                  </p:stCondLst>
-                                  <p:childTnLst>
-                                    <p:set>
-                                      <p:cBhvr>
-                                        <p:cTn id="10" dur="1" fill="hold">
-                                          <p:stCondLst>
-                                            <p:cond delay="0"/>
-                                          </p:stCondLst>
-                                        </p:cTn>
-                                        <p:tgtEl>
-                                          <p:spTgt spid="2"/>
-                                        </p:tgtEl>
-                                        <p:attrNameLst>
-                                          <p:attrName>style.visibility</p:attrName>
-                                        </p:attrNameLst>
-                                      </p:cBhvr>
-                                      <p:to>
-                                        <p:strVal val="visible"/>
-                                      </p:to>
-                                    </p:set>
-                                    <p:animEffect transition="in" filter="fade">
-                                      <p:cBhvr>
-                                        <p:cTn id="11" dur="500"/>
-                                        <p:tgtEl>
-                                          <p:spTgt spid="2"/>
-                                        </p:tgtEl>
-                                      </p:cBhvr>
-                                    </p:animEffect>
-                                  </p:childTnLst>
-                                </p:cTn>
-                              </p:par>
-                            </p:childTnLst>
-                          </p:cTn>
-                        </p:par>
                       </p:childTnLst>
                     </p:cTn>
                   </p:par>
@@ -14153,6 +14049,24 @@
     </p:tnLst>
   </p:timing>
 </p:sld>
+</file>
+
+<file path=ppt/tags/tag1.xml><?xml version="1.0" encoding="utf-8"?>
+<p:tagLst xmlns:p="http://schemas.openxmlformats.org/presentationml/2006/main">
+  <p:tag name="KSO_WM_BEAUTIFY_FLAG" val=""/>
+</p:tagLst>
+</file>
+
+<file path=ppt/tags/tag2.xml><?xml version="1.0" encoding="utf-8"?>
+<p:tagLst xmlns:p="http://schemas.openxmlformats.org/presentationml/2006/main">
+  <p:tag name="KSO_WM_BEAUTIFY_FLAG" val=""/>
+</p:tagLst>
+</file>
+
+<file path=ppt/tags/tag3.xml><?xml version="1.0" encoding="utf-8"?>
+<p:tagLst xmlns:p="http://schemas.openxmlformats.org/presentationml/2006/main">
+  <p:tag name="KSO_WM_BEAUTIFY_FLAG" val=""/>
+</p:tagLst>
 </file>
 
 <file path=ppt/theme/theme1.xml><?xml version="1.0" encoding="utf-8"?>
